--- a/2025/HPC Training 2025c/4 - Interlude - WFMS.pptx
+++ b/2025/HPC Training 2025c/4 - Interlude - WFMS.pptx
@@ -116,6 +116,14 @@
 </p:presentation>
 </file>
 
+<file path=ppt/revisionInfo.xml><?xml version="1.0" encoding="utf-8"?>
+<p1510:revInfo xmlns:a="http://schemas.openxmlformats.org/drawingml/2006/main" xmlns:r="http://schemas.openxmlformats.org/officeDocument/2006/relationships" xmlns:p1510="http://schemas.microsoft.com/office/powerpoint/2015/10/main">
+  <p1510:revLst>
+    <p1510:client id="{B0A0CA1E-0440-4DF0-BF26-8454BAC301C6}" v="4" dt="2025-12-04T15:07:51.708"/>
+  </p1510:revLst>
+</p1510:revInfo>
+</file>
+
 <file path=ppt/changesInfos/changesInfo1.xml><?xml version="1.0" encoding="utf-8"?>
 <pc:chgInfo xmlns:a="http://schemas.openxmlformats.org/drawingml/2006/main" xmlns:r="http://schemas.openxmlformats.org/officeDocument/2006/relationships" xmlns:ac="http://schemas.microsoft.com/office/drawing/2013/main/command" xmlns:pc="http://schemas.microsoft.com/office/powerpoint/2013/main/command">
   <pc:docChgLst>
@@ -138,38 +146,6 @@
           <pc:docMk/>
           <pc:sldMk cId="1324567577" sldId="257"/>
         </pc:sldMkLst>
-        <pc:spChg chg="mod">
-          <ac:chgData name="Miriam Schreiber" userId="5a452ff8-f189-44a9-9767-da59f69398bf" providerId="ADAL" clId="{5FF45B2A-E25A-4496-911A-50D2B1AF37F6}" dt="2025-04-21T13:46:31.355" v="588" actId="20577"/>
-          <ac:spMkLst>
-            <pc:docMk/>
-            <pc:sldMk cId="1324567577" sldId="257"/>
-            <ac:spMk id="5" creationId="{F6E649A3-AFA8-A2E4-7419-C662120E8AA7}"/>
-          </ac:spMkLst>
-        </pc:spChg>
-        <pc:graphicFrameChg chg="del mod modGraphic">
-          <ac:chgData name="Miriam Schreiber" userId="5a452ff8-f189-44a9-9767-da59f69398bf" providerId="ADAL" clId="{5FF45B2A-E25A-4496-911A-50D2B1AF37F6}" dt="2025-04-21T13:27:04.055" v="16" actId="21"/>
-          <ac:graphicFrameMkLst>
-            <pc:docMk/>
-            <pc:sldMk cId="1324567577" sldId="257"/>
-            <ac:graphicFrameMk id="13" creationId="{2B998F54-A218-091F-16F6-1CF486D89DC1}"/>
-          </ac:graphicFrameMkLst>
-        </pc:graphicFrameChg>
-        <pc:picChg chg="del mod">
-          <ac:chgData name="Miriam Schreiber" userId="5a452ff8-f189-44a9-9767-da59f69398bf" providerId="ADAL" clId="{5FF45B2A-E25A-4496-911A-50D2B1AF37F6}" dt="2025-04-21T13:27:04.055" v="16" actId="21"/>
-          <ac:picMkLst>
-            <pc:docMk/>
-            <pc:sldMk cId="1324567577" sldId="257"/>
-            <ac:picMk id="9" creationId="{3A83B871-612C-D6F2-8EDF-595AB7563E55}"/>
-          </ac:picMkLst>
-        </pc:picChg>
-        <pc:picChg chg="del mod">
-          <ac:chgData name="Miriam Schreiber" userId="5a452ff8-f189-44a9-9767-da59f69398bf" providerId="ADAL" clId="{5FF45B2A-E25A-4496-911A-50D2B1AF37F6}" dt="2025-04-21T13:27:04.055" v="16" actId="21"/>
-          <ac:picMkLst>
-            <pc:docMk/>
-            <pc:sldMk cId="1324567577" sldId="257"/>
-            <ac:picMk id="17" creationId="{03950AFC-483E-11F2-C718-74CF3DDE85BE}"/>
-          </ac:picMkLst>
-        </pc:picChg>
       </pc:sldChg>
       <pc:sldChg chg="addSp modSp mod ord modClrScheme chgLayout">
         <pc:chgData name="Miriam Schreiber" userId="5a452ff8-f189-44a9-9767-da59f69398bf" providerId="ADAL" clId="{5FF45B2A-E25A-4496-911A-50D2B1AF37F6}" dt="2025-04-21T13:48:21.742" v="619" actId="1076"/>
@@ -177,54 +153,6 @@
           <pc:docMk/>
           <pc:sldMk cId="3054025935" sldId="258"/>
         </pc:sldMkLst>
-        <pc:spChg chg="mod ord">
-          <ac:chgData name="Miriam Schreiber" userId="5a452ff8-f189-44a9-9767-da59f69398bf" providerId="ADAL" clId="{5FF45B2A-E25A-4496-911A-50D2B1AF37F6}" dt="2025-04-21T13:29:39.798" v="153" actId="700"/>
-          <ac:spMkLst>
-            <pc:docMk/>
-            <pc:sldMk cId="3054025935" sldId="258"/>
-            <ac:spMk id="2" creationId="{6134A408-6025-64A1-A28B-AA61C9C6F719}"/>
-          </ac:spMkLst>
-        </pc:spChg>
-        <pc:spChg chg="mod ord">
-          <ac:chgData name="Miriam Schreiber" userId="5a452ff8-f189-44a9-9767-da59f69398bf" providerId="ADAL" clId="{5FF45B2A-E25A-4496-911A-50D2B1AF37F6}" dt="2025-04-21T13:48:10.344" v="602" actId="27636"/>
-          <ac:spMkLst>
-            <pc:docMk/>
-            <pc:sldMk cId="3054025935" sldId="258"/>
-            <ac:spMk id="3" creationId="{68F11B2C-E4B9-5485-852B-0F9CEF01617E}"/>
-          </ac:spMkLst>
-        </pc:spChg>
-        <pc:picChg chg="add mod">
-          <ac:chgData name="Miriam Schreiber" userId="5a452ff8-f189-44a9-9767-da59f69398bf" providerId="ADAL" clId="{5FF45B2A-E25A-4496-911A-50D2B1AF37F6}" dt="2025-04-21T13:48:19.081" v="618" actId="1035"/>
-          <ac:picMkLst>
-            <pc:docMk/>
-            <pc:sldMk cId="3054025935" sldId="258"/>
-            <ac:picMk id="4" creationId="{093984AE-7D15-6200-C29E-F60840699224}"/>
-          </ac:picMkLst>
-        </pc:picChg>
-        <pc:picChg chg="mod">
-          <ac:chgData name="Miriam Schreiber" userId="5a452ff8-f189-44a9-9767-da59f69398bf" providerId="ADAL" clId="{5FF45B2A-E25A-4496-911A-50D2B1AF37F6}" dt="2025-04-21T13:48:19.081" v="618" actId="1035"/>
-          <ac:picMkLst>
-            <pc:docMk/>
-            <pc:sldMk cId="3054025935" sldId="258"/>
-            <ac:picMk id="5" creationId="{832774BC-4B7A-3FBD-809F-9959985F5BB7}"/>
-          </ac:picMkLst>
-        </pc:picChg>
-        <pc:picChg chg="add mod">
-          <ac:chgData name="Miriam Schreiber" userId="5a452ff8-f189-44a9-9767-da59f69398bf" providerId="ADAL" clId="{5FF45B2A-E25A-4496-911A-50D2B1AF37F6}" dt="2025-04-21T13:48:21.742" v="619" actId="1076"/>
-          <ac:picMkLst>
-            <pc:docMk/>
-            <pc:sldMk cId="3054025935" sldId="258"/>
-            <ac:picMk id="6" creationId="{F3C845D0-551D-B77C-03F1-3A7A69F1E716}"/>
-          </ac:picMkLst>
-        </pc:picChg>
-        <pc:picChg chg="mod">
-          <ac:chgData name="Miriam Schreiber" userId="5a452ff8-f189-44a9-9767-da59f69398bf" providerId="ADAL" clId="{5FF45B2A-E25A-4496-911A-50D2B1AF37F6}" dt="2025-04-21T13:48:19.081" v="618" actId="1035"/>
-          <ac:picMkLst>
-            <pc:docMk/>
-            <pc:sldMk cId="3054025935" sldId="258"/>
-            <ac:picMk id="7" creationId="{C69128A3-166F-CDC1-15DE-7348D576BEB3}"/>
-          </ac:picMkLst>
-        </pc:picChg>
       </pc:sldChg>
       <pc:sldChg chg="addSp delSp modSp add del mod modClrScheme chgLayout">
         <pc:chgData name="Miriam Schreiber" userId="5a452ff8-f189-44a9-9767-da59f69398bf" providerId="ADAL" clId="{5FF45B2A-E25A-4496-911A-50D2B1AF37F6}" dt="2025-04-21T13:40:22.027" v="478" actId="478"/>
@@ -232,46 +160,6 @@
           <pc:docMk/>
           <pc:sldMk cId="420386050" sldId="259"/>
         </pc:sldMkLst>
-        <pc:spChg chg="mod ord">
-          <ac:chgData name="Miriam Schreiber" userId="5a452ff8-f189-44a9-9767-da59f69398bf" providerId="ADAL" clId="{5FF45B2A-E25A-4496-911A-50D2B1AF37F6}" dt="2025-04-21T13:30:58.225" v="157" actId="700"/>
-          <ac:spMkLst>
-            <pc:docMk/>
-            <pc:sldMk cId="420386050" sldId="259"/>
-            <ac:spMk id="2" creationId="{5E45955C-F2A1-68B5-1594-FE0DA727DA29}"/>
-          </ac:spMkLst>
-        </pc:spChg>
-        <pc:spChg chg="mod ord">
-          <ac:chgData name="Miriam Schreiber" userId="5a452ff8-f189-44a9-9767-da59f69398bf" providerId="ADAL" clId="{5FF45B2A-E25A-4496-911A-50D2B1AF37F6}" dt="2025-04-21T13:33:53.138" v="385" actId="20577"/>
-          <ac:spMkLst>
-            <pc:docMk/>
-            <pc:sldMk cId="420386050" sldId="259"/>
-            <ac:spMk id="3" creationId="{212463A8-A47D-D756-72E6-DF704CCF77C7}"/>
-          </ac:spMkLst>
-        </pc:spChg>
-        <pc:spChg chg="add mod">
-          <ac:chgData name="Miriam Schreiber" userId="5a452ff8-f189-44a9-9767-da59f69398bf" providerId="ADAL" clId="{5FF45B2A-E25A-4496-911A-50D2B1AF37F6}" dt="2025-04-21T13:40:02.799" v="476" actId="1076"/>
-          <ac:spMkLst>
-            <pc:docMk/>
-            <pc:sldMk cId="420386050" sldId="259"/>
-            <ac:spMk id="4" creationId="{BB0F92B7-3587-DDA2-DB6F-4171A49A98BD}"/>
-          </ac:spMkLst>
-        </pc:spChg>
-        <pc:spChg chg="add del">
-          <ac:chgData name="Miriam Schreiber" userId="5a452ff8-f189-44a9-9767-da59f69398bf" providerId="ADAL" clId="{5FF45B2A-E25A-4496-911A-50D2B1AF37F6}" dt="2025-04-21T13:40:22.027" v="478" actId="478"/>
-          <ac:spMkLst>
-            <pc:docMk/>
-            <pc:sldMk cId="420386050" sldId="259"/>
-            <ac:spMk id="5" creationId="{15A13815-9130-1C75-FD24-FB2FB5E301A9}"/>
-          </ac:spMkLst>
-        </pc:spChg>
-        <pc:picChg chg="mod">
-          <ac:chgData name="Miriam Schreiber" userId="5a452ff8-f189-44a9-9767-da59f69398bf" providerId="ADAL" clId="{5FF45B2A-E25A-4496-911A-50D2B1AF37F6}" dt="2025-04-21T13:39:49.282" v="474" actId="1076"/>
-          <ac:picMkLst>
-            <pc:docMk/>
-            <pc:sldMk cId="420386050" sldId="259"/>
-            <ac:picMk id="15" creationId="{D474CC38-1EB4-76E4-749E-6CC28055ADE5}"/>
-          </ac:picMkLst>
-        </pc:picChg>
       </pc:sldChg>
       <pc:sldChg chg="addSp delSp modSp new mod">
         <pc:chgData name="Miriam Schreiber" userId="5a452ff8-f189-44a9-9767-da59f69398bf" providerId="ADAL" clId="{5FF45B2A-E25A-4496-911A-50D2B1AF37F6}" dt="2025-04-21T13:47:48.049" v="592" actId="21"/>
@@ -279,54 +167,6 @@
           <pc:docMk/>
           <pc:sldMk cId="412019028" sldId="260"/>
         </pc:sldMkLst>
-        <pc:spChg chg="mod">
-          <ac:chgData name="Miriam Schreiber" userId="5a452ff8-f189-44a9-9767-da59f69398bf" providerId="ADAL" clId="{5FF45B2A-E25A-4496-911A-50D2B1AF37F6}" dt="2025-04-21T13:28:46.607" v="63"/>
-          <ac:spMkLst>
-            <pc:docMk/>
-            <pc:sldMk cId="412019028" sldId="260"/>
-            <ac:spMk id="2" creationId="{273C898D-9D6F-8453-6718-F240AAF212F6}"/>
-          </ac:spMkLst>
-        </pc:spChg>
-        <pc:spChg chg="mod">
-          <ac:chgData name="Miriam Schreiber" userId="5a452ff8-f189-44a9-9767-da59f69398bf" providerId="ADAL" clId="{5FF45B2A-E25A-4496-911A-50D2B1AF37F6}" dt="2025-04-21T13:47:06.827" v="590" actId="27636"/>
-          <ac:spMkLst>
-            <pc:docMk/>
-            <pc:sldMk cId="412019028" sldId="260"/>
-            <ac:spMk id="3" creationId="{23039301-7AEF-1D48-FBBD-E1F5598EAA96}"/>
-          </ac:spMkLst>
-        </pc:spChg>
-        <pc:spChg chg="add del">
-          <ac:chgData name="Miriam Schreiber" userId="5a452ff8-f189-44a9-9767-da59f69398bf" providerId="ADAL" clId="{5FF45B2A-E25A-4496-911A-50D2B1AF37F6}" dt="2025-04-21T13:27:20.456" v="26" actId="22"/>
-          <ac:spMkLst>
-            <pc:docMk/>
-            <pc:sldMk cId="412019028" sldId="260"/>
-            <ac:spMk id="5" creationId="{1419DFB7-5656-5417-C74C-EE2F998A3FA5}"/>
-          </ac:spMkLst>
-        </pc:spChg>
-        <pc:graphicFrameChg chg="add mod modGraphic">
-          <ac:chgData name="Miriam Schreiber" userId="5a452ff8-f189-44a9-9767-da59f69398bf" providerId="ADAL" clId="{5FF45B2A-E25A-4496-911A-50D2B1AF37F6}" dt="2025-04-21T13:28:30.615" v="62" actId="1076"/>
-          <ac:graphicFrameMkLst>
-            <pc:docMk/>
-            <pc:sldMk cId="412019028" sldId="260"/>
-            <ac:graphicFrameMk id="13" creationId="{2B998F54-A218-091F-16F6-1CF486D89DC1}"/>
-          </ac:graphicFrameMkLst>
-        </pc:graphicFrameChg>
-        <pc:picChg chg="add del mod">
-          <ac:chgData name="Miriam Schreiber" userId="5a452ff8-f189-44a9-9767-da59f69398bf" providerId="ADAL" clId="{5FF45B2A-E25A-4496-911A-50D2B1AF37F6}" dt="2025-04-21T13:47:48.049" v="592" actId="21"/>
-          <ac:picMkLst>
-            <pc:docMk/>
-            <pc:sldMk cId="412019028" sldId="260"/>
-            <ac:picMk id="9" creationId="{3A83B871-612C-D6F2-8EDF-595AB7563E55}"/>
-          </ac:picMkLst>
-        </pc:picChg>
-        <pc:picChg chg="add del mod">
-          <ac:chgData name="Miriam Schreiber" userId="5a452ff8-f189-44a9-9767-da59f69398bf" providerId="ADAL" clId="{5FF45B2A-E25A-4496-911A-50D2B1AF37F6}" dt="2025-04-21T13:47:48.049" v="592" actId="21"/>
-          <ac:picMkLst>
-            <pc:docMk/>
-            <pc:sldMk cId="412019028" sldId="260"/>
-            <ac:picMk id="17" creationId="{03950AFC-483E-11F2-C718-74CF3DDE85BE}"/>
-          </ac:picMkLst>
-        </pc:picChg>
       </pc:sldChg>
       <pc:sldChg chg="modSp new mod">
         <pc:chgData name="Miriam Schreiber" userId="5a452ff8-f189-44a9-9767-da59f69398bf" providerId="ADAL" clId="{5FF45B2A-E25A-4496-911A-50D2B1AF37F6}" dt="2025-04-21T14:23:09.102" v="931" actId="20577"/>
@@ -334,22 +174,6 @@
           <pc:docMk/>
           <pc:sldMk cId="3352573634" sldId="261"/>
         </pc:sldMkLst>
-        <pc:spChg chg="mod">
-          <ac:chgData name="Miriam Schreiber" userId="5a452ff8-f189-44a9-9767-da59f69398bf" providerId="ADAL" clId="{5FF45B2A-E25A-4496-911A-50D2B1AF37F6}" dt="2025-04-21T13:52:02.442" v="899" actId="20577"/>
-          <ac:spMkLst>
-            <pc:docMk/>
-            <pc:sldMk cId="3352573634" sldId="261"/>
-            <ac:spMk id="2" creationId="{5AE99A11-CC15-CE00-1BB0-5AFDE52E8D31}"/>
-          </ac:spMkLst>
-        </pc:spChg>
-        <pc:spChg chg="mod">
-          <ac:chgData name="Miriam Schreiber" userId="5a452ff8-f189-44a9-9767-da59f69398bf" providerId="ADAL" clId="{5FF45B2A-E25A-4496-911A-50D2B1AF37F6}" dt="2025-04-21T14:23:09.102" v="931" actId="20577"/>
-          <ac:spMkLst>
-            <pc:docMk/>
-            <pc:sldMk cId="3352573634" sldId="261"/>
-            <ac:spMk id="3" creationId="{45984409-3419-6719-47B9-886FDE80CE10}"/>
-          </ac:spMkLst>
-        </pc:spChg>
       </pc:sldChg>
       <pc:sldMasterChg chg="delSldLayout">
         <pc:chgData name="Miriam Schreiber" userId="5a452ff8-f189-44a9-9767-da59f69398bf" providerId="ADAL" clId="{5FF45B2A-E25A-4496-911A-50D2B1AF37F6}" dt="2025-04-21T13:40:31.758" v="479" actId="47"/>
@@ -366,6 +190,68 @@
           </pc:sldLayoutMkLst>
         </pc:sldLayoutChg>
       </pc:sldMasterChg>
+    </pc:docChg>
+  </pc:docChgLst>
+  <pc:docChgLst>
+    <pc:chgData name="Micha Bayer" userId="89dca733-f099-424a-9b56-031d3ae4dca7" providerId="ADAL" clId="{CFA206BD-8A70-49C2-828A-772CD27CF7B1}"/>
+    <pc:docChg chg="custSel modSld">
+      <pc:chgData name="Micha Bayer" userId="89dca733-f099-424a-9b56-031d3ae4dca7" providerId="ADAL" clId="{CFA206BD-8A70-49C2-828A-772CD27CF7B1}" dt="2025-12-04T15:09:16.505" v="272" actId="20577"/>
+      <pc:docMkLst>
+        <pc:docMk/>
+      </pc:docMkLst>
+      <pc:sldChg chg="modSp mod">
+        <pc:chgData name="Micha Bayer" userId="89dca733-f099-424a-9b56-031d3ae4dca7" providerId="ADAL" clId="{CFA206BD-8A70-49C2-828A-772CD27CF7B1}" dt="2025-12-04T15:08:34.666" v="262" actId="20577"/>
+        <pc:sldMkLst>
+          <pc:docMk/>
+          <pc:sldMk cId="1324567577" sldId="257"/>
+        </pc:sldMkLst>
+        <pc:spChg chg="mod">
+          <ac:chgData name="Micha Bayer" userId="89dca733-f099-424a-9b56-031d3ae4dca7" providerId="ADAL" clId="{CFA206BD-8A70-49C2-828A-772CD27CF7B1}" dt="2025-12-04T15:08:34.666" v="262" actId="20577"/>
+          <ac:spMkLst>
+            <pc:docMk/>
+            <pc:sldMk cId="1324567577" sldId="257"/>
+            <ac:spMk id="5" creationId="{F6E649A3-AFA8-A2E4-7419-C662120E8AA7}"/>
+          </ac:spMkLst>
+        </pc:spChg>
+      </pc:sldChg>
+      <pc:sldChg chg="modSp mod">
+        <pc:chgData name="Micha Bayer" userId="89dca733-f099-424a-9b56-031d3ae4dca7" providerId="ADAL" clId="{CFA206BD-8A70-49C2-828A-772CD27CF7B1}" dt="2025-12-04T15:09:16.505" v="272" actId="20577"/>
+        <pc:sldMkLst>
+          <pc:docMk/>
+          <pc:sldMk cId="412019028" sldId="260"/>
+        </pc:sldMkLst>
+        <pc:spChg chg="mod">
+          <ac:chgData name="Micha Bayer" userId="89dca733-f099-424a-9b56-031d3ae4dca7" providerId="ADAL" clId="{CFA206BD-8A70-49C2-828A-772CD27CF7B1}" dt="2025-12-04T15:09:16.505" v="272" actId="20577"/>
+          <ac:spMkLst>
+            <pc:docMk/>
+            <pc:sldMk cId="412019028" sldId="260"/>
+            <ac:spMk id="3" creationId="{23039301-7AEF-1D48-FBBD-E1F5598EAA96}"/>
+          </ac:spMkLst>
+        </pc:spChg>
+        <pc:graphicFrameChg chg="modGraphic">
+          <ac:chgData name="Micha Bayer" userId="89dca733-f099-424a-9b56-031d3ae4dca7" providerId="ADAL" clId="{CFA206BD-8A70-49C2-828A-772CD27CF7B1}" dt="2025-12-04T14:46:32.332" v="220" actId="20577"/>
+          <ac:graphicFrameMkLst>
+            <pc:docMk/>
+            <pc:sldMk cId="412019028" sldId="260"/>
+            <ac:graphicFrameMk id="13" creationId="{2B998F54-A218-091F-16F6-1CF486D89DC1}"/>
+          </ac:graphicFrameMkLst>
+        </pc:graphicFrameChg>
+      </pc:sldChg>
+      <pc:sldChg chg="modSp mod">
+        <pc:chgData name="Micha Bayer" userId="89dca733-f099-424a-9b56-031d3ae4dca7" providerId="ADAL" clId="{CFA206BD-8A70-49C2-828A-772CD27CF7B1}" dt="2025-12-04T15:07:51.706" v="253" actId="20577"/>
+        <pc:sldMkLst>
+          <pc:docMk/>
+          <pc:sldMk cId="3352573634" sldId="261"/>
+        </pc:sldMkLst>
+        <pc:spChg chg="mod">
+          <ac:chgData name="Micha Bayer" userId="89dca733-f099-424a-9b56-031d3ae4dca7" providerId="ADAL" clId="{CFA206BD-8A70-49C2-828A-772CD27CF7B1}" dt="2025-12-04T15:07:51.706" v="253" actId="20577"/>
+          <ac:spMkLst>
+            <pc:docMk/>
+            <pc:sldMk cId="3352573634" sldId="261"/>
+            <ac:spMk id="3" creationId="{45984409-3419-6719-47B9-886FDE80CE10}"/>
+          </ac:spMkLst>
+        </pc:spChg>
+      </pc:sldChg>
     </pc:docChg>
   </pc:docChgLst>
 </pc:chgInfo>
@@ -4181,7 +4067,7 @@
           <a:p>
             <a:r>
               <a:rPr lang="en-GB" dirty="0"/>
-              <a:t>Used for scientific workflows for data analyses</a:t>
+              <a:t>Used for scientific workflows for data analysis</a:t>
             </a:r>
           </a:p>
           <a:p>
@@ -4194,14 +4080,14 @@
             <a:pPr lvl="1"/>
             <a:r>
               <a:rPr lang="en-GB" dirty="0"/>
-              <a:t>Sequence of tasks, </a:t>
+              <a:t>Sequence of tasks </a:t>
             </a:r>
           </a:p>
           <a:p>
             <a:pPr lvl="2"/>
             <a:r>
               <a:rPr lang="en-GB" dirty="0"/>
-              <a:t>Gathering, cleaning, and processing data. </a:t>
+              <a:t>E.g. gathering, cleaning, and processing data </a:t>
             </a:r>
           </a:p>
           <a:p>
@@ -4220,15 +4106,8 @@
           </a:p>
           <a:p>
             <a:r>
-              <a:rPr lang="en-GB" dirty="0"/>
-              <a:t>FAIR principle</a:t>
-            </a:r>
-          </a:p>
-          <a:p>
-            <a:pPr lvl="1"/>
-            <a:r>
-              <a:rPr lang="en-GB" dirty="0"/>
-              <a:t>Findable, Accessible, Interoperable, Reusable</a:t>
+              <a:rPr lang="en-GB" b="1" dirty="0"/>
+              <a:t>Important tools for our battle with the reproducibility crisis!</a:t>
             </a:r>
           </a:p>
           <a:p>
@@ -4320,20 +4199,20 @@
         </p:spPr>
         <p:txBody>
           <a:bodyPr>
-            <a:normAutofit fontScale="92500" lnSpcReduction="10000"/>
+            <a:normAutofit fontScale="92500" lnSpcReduction="20000"/>
           </a:bodyPr>
           <a:lstStyle/>
           <a:p>
             <a:r>
               <a:rPr lang="en-GB" dirty="0"/>
-              <a:t>Makes your life easier</a:t>
+              <a:t>Features:</a:t>
             </a:r>
           </a:p>
           <a:p>
             <a:pPr lvl="1"/>
             <a:r>
               <a:rPr lang="en-GB" dirty="0"/>
-              <a:t>Run time management</a:t>
+              <a:t>Compute resource management</a:t>
             </a:r>
           </a:p>
           <a:p>
@@ -4347,6 +4226,13 @@
             <a:pPr lvl="1"/>
             <a:r>
               <a:rPr lang="en-GB" dirty="0"/>
+              <a:t>Checkpointing and resumption</a:t>
+            </a:r>
+          </a:p>
+          <a:p>
+            <a:pPr lvl="1"/>
+            <a:r>
+              <a:rPr lang="en-GB" dirty="0"/>
               <a:t>Portability &amp; Interoperability</a:t>
             </a:r>
           </a:p>
@@ -4355,13 +4241,6 @@
             <a:r>
               <a:rPr lang="en-GB" dirty="0"/>
               <a:t>Reproducibility</a:t>
-            </a:r>
-          </a:p>
-          <a:p>
-            <a:pPr lvl="1"/>
-            <a:r>
-              <a:rPr lang="en-GB" dirty="0"/>
-              <a:t>Re-entrancy / Resumption</a:t>
             </a:r>
           </a:p>
           <a:p>
@@ -4420,7 +4299,7 @@
           <p:nvPr>
             <p:extLst>
               <p:ext uri="{D42A27DB-BD31-4B8C-83A1-F6EECF244321}">
-                <p14:modId xmlns:p14="http://schemas.microsoft.com/office/powerpoint/2010/main" val="333416156"/>
+                <p14:modId xmlns:p14="http://schemas.microsoft.com/office/powerpoint/2010/main" val="2923504368"/>
               </p:ext>
             </p:extLst>
           </p:nvPr>
@@ -4522,7 +4401,7 @@
                     <a:p>
                       <a:r>
                         <a:rPr lang="en-GB" sz="1600" dirty="0"/>
-                        <a:t>Groovy (java)</a:t>
+                        <a:t>Groovy (a Java dialect)</a:t>
                       </a:r>
                     </a:p>
                   </a:txBody>
@@ -5226,7 +5105,7 @@
         </p:spPr>
         <p:txBody>
           <a:bodyPr>
-            <a:normAutofit/>
+            <a:normAutofit lnSpcReduction="10000"/>
           </a:bodyPr>
           <a:lstStyle/>
           <a:p>
@@ -5243,24 +5122,36 @@
               </a:rPr>
               <a:t>https://training.nextflow.io/latest/</a:t>
             </a:r>
-            <a:endParaRPr lang="en-GB" dirty="0"/>
-          </a:p>
-          <a:p>
-            <a:pPr lvl="1"/>
+            <a:r>
+              <a:rPr lang="en-GB" dirty="0"/>
+              <a:t> and </a:t>
+            </a:r>
             <a:r>
               <a:rPr lang="en-GB" dirty="0">
                 <a:hlinkClick r:id="rId3"/>
               </a:rPr>
+              <a:t>https://www.nextflow.io/</a:t>
+            </a:r>
+            <a:r>
+              <a:rPr lang="en-GB" dirty="0"/>
+              <a:t> </a:t>
+            </a:r>
+          </a:p>
+          <a:p>
+            <a:pPr lvl="1"/>
+            <a:r>
+              <a:rPr lang="en-GB" dirty="0">
+                <a:hlinkClick r:id="rId4"/>
+              </a:rPr>
               <a:t>https://snakemake.readthedocs.io/en/stable/tutorial/tutorial.html</a:t>
             </a:r>
             <a:endParaRPr lang="en-GB" dirty="0"/>
           </a:p>
           <a:p>
             <a:r>
-              <a:rPr lang="en-GB"/>
+              <a:rPr lang="en-GB" dirty="0"/>
               <a:t>Problems:</a:t>
             </a:r>
-            <a:endParaRPr lang="en-GB" dirty="0"/>
           </a:p>
           <a:p>
             <a:pPr lvl="1"/>
